--- a/新闻推荐系统－项目成果.pptx
+++ b/新闻推荐系统－项目成果.pptx
@@ -8289,18 +8289,10 @@
                   <a:srgbClr val="FFC000"/>
                 </a:solidFill>
               </a:rPr>
-              <a:t>根据</a:t>
-            </a:r>
-            <a:r>
-              <a:rPr lang="zh-CN" altLang="en-US" sz="2800" smtClean="0">
-                <a:solidFill>
-                  <a:srgbClr val="FFC000"/>
-                </a:solidFill>
-              </a:rPr>
-              <a:t>新闻</a:t>
-            </a:r>
-            <a:r>
-              <a:rPr lang="zh-CN" altLang="en-US" sz="2800" smtClean="0">
+              <a:t>根据新闻</a:t>
+            </a:r>
+            <a:r>
+              <a:rPr lang="zh-CN" altLang="en-US" sz="2800" dirty="0" smtClean="0">
                 <a:solidFill>
                   <a:srgbClr val="FFC000"/>
                 </a:solidFill>
@@ -8539,11 +8531,43 @@
             </a:pPr>
             <a:r>
               <a:rPr lang="zh-CN" altLang="en-US" sz="2800" dirty="0" smtClean="0"/>
-              <a:t>挖掘出的老新闻要给用户推荐哪些新闻时，还要考虑新闻的时效性，根据发布时间利用</a:t>
+              <a:t>挖掘出的老新闻要给用户</a:t>
+            </a:r>
+            <a:r>
+              <a:rPr lang="zh-CN" altLang="en-US" sz="2800" dirty="0" smtClean="0"/>
+              <a:t>推荐时</a:t>
+            </a:r>
+            <a:r>
+              <a:rPr lang="zh-CN" altLang="en-US" sz="2800" dirty="0" smtClean="0"/>
+              <a:t>，还要考虑新闻的时效性，根据发布时间利用</a:t>
             </a:r>
             <a:r>
               <a:rPr lang="en-US" altLang="zh-CN" sz="2800" dirty="0" smtClean="0"/>
-              <a:t>hack news                </a:t>
+              <a:t>hack </a:t>
+            </a:r>
+            <a:r>
+              <a:rPr lang="en-US" altLang="zh-CN" sz="2800" dirty="0" smtClean="0"/>
+              <a:t>news</a:t>
+            </a:r>
+            <a:r>
+              <a:rPr lang="zh-CN" altLang="en-US" sz="2800" dirty="0" smtClean="0"/>
+              <a:t>，</a:t>
+            </a:r>
+            <a:r>
+              <a:rPr lang="en-US" altLang="zh-CN" sz="2800" dirty="0"/>
+              <a:t>score=(</a:t>
+            </a:r>
+            <a:r>
+              <a:rPr lang="en-US" altLang="zh-CN" sz="2800" dirty="0" smtClean="0"/>
+              <a:t>P–1)/(</a:t>
+            </a:r>
+            <a:r>
+              <a:rPr lang="en-US" altLang="zh-CN" sz="2800" dirty="0"/>
+              <a:t>T+2)^</a:t>
+            </a:r>
+            <a:r>
+              <a:rPr lang="en-US" altLang="zh-CN" sz="2800" dirty="0" smtClean="0"/>
+              <a:t>G</a:t>
             </a:r>
             <a:r>
               <a:rPr lang="zh-CN" altLang="en-US" sz="2800" dirty="0" smtClean="0"/>
@@ -8611,30 +8635,6 @@
           <a:xfrm>
             <a:off x="677334" y="5692234"/>
             <a:ext cx="9629775" cy="865352"/>
-          </a:xfrm>
-          <a:prstGeom prst="rect">
-            <a:avLst/>
-          </a:prstGeom>
-        </p:spPr>
-      </p:pic>
-      <p:pic>
-        <p:nvPicPr>
-          <p:cNvPr id="5" name="图片 4"/>
-          <p:cNvPicPr>
-            <a:picLocks noChangeAspect="1"/>
-          </p:cNvPicPr>
-          <p:nvPr/>
-        </p:nvPicPr>
-        <p:blipFill>
-          <a:blip r:embed="rId4"/>
-          <a:stretch>
-            <a:fillRect/>
-          </a:stretch>
-        </p:blipFill>
-        <p:spPr>
-          <a:xfrm>
-            <a:off x="6705602" y="2402901"/>
-            <a:ext cx="1809750" cy="449728"/>
           </a:xfrm>
           <a:prstGeom prst="rect">
             <a:avLst/>
